--- a/files/slides/lecture_25.pptx
+++ b/files/slides/lecture_25.pptx
@@ -10027,7 +10027,7 @@
               <a:r>
                 <a:rPr lang="zh-CN" altLang="zh-CN" sz="2000" b="1" dirty="0">
                   <a:solidFill>
-                    <a:srgbClr val="00B050"/>
+                    <a:schemeClr val="tx1"/>
                   </a:solidFill>
                   <a:latin typeface="微软雅黑" panose="020B0503020204020204" charset="-122"/>
                   <a:ea typeface="微软雅黑" panose="020B0503020204020204" charset="-122"/>
@@ -10036,7 +10036,7 @@
               </a:r>
               <a:endParaRPr lang="en-US" altLang="zh-CN" sz="2000" b="1" dirty="0">
                 <a:solidFill>
-                  <a:srgbClr val="00B050"/>
+                  <a:schemeClr val="tx1"/>
                 </a:solidFill>
                 <a:latin typeface="微软雅黑" panose="020B0503020204020204" charset="-122"/>
                 <a:ea typeface="微软雅黑" panose="020B0503020204020204" charset="-122"/>
@@ -10057,16 +10057,16 @@
               <a:r>
                 <a:rPr lang="zh-CN" altLang="zh-CN" sz="2000" b="1" dirty="0">
                   <a:solidFill>
-                    <a:srgbClr val="00B050"/>
+                    <a:schemeClr val="tx1"/>
                   </a:solidFill>
                   <a:latin typeface="微软雅黑" panose="020B0503020204020204" charset="-122"/>
                   <a:ea typeface="微软雅黑" panose="020B0503020204020204" charset="-122"/>
                 </a:rPr>
                 <a:t>《认证认可条例》</a:t>
               </a:r>
-              <a:endParaRPr lang="en-US" altLang="zh-CN" sz="2000" b="1" dirty="0">
+              <a:endParaRPr lang="zh-CN" altLang="zh-CN" sz="2000" b="1" dirty="0">
                 <a:solidFill>
-                  <a:srgbClr val="00B050"/>
+                  <a:schemeClr val="tx1"/>
                 </a:solidFill>
                 <a:latin typeface="微软雅黑" panose="020B0503020204020204" charset="-122"/>
                 <a:ea typeface="微软雅黑" panose="020B0503020204020204" charset="-122"/>
@@ -12714,7 +12714,27 @@
                       <a:latin typeface="微软雅黑" panose="020B0503020204020204" charset="-122"/>
                       <a:ea typeface="微软雅黑" panose="020B0503020204020204" charset="-122"/>
                     </a:rPr>
-                    <a:t>这一时期的立法活动以风险防范、惩戒失信为主要目标，将社会信用体系建设作为整顿和规范市场经济秩序的治本之策与主要手段</a:t>
+                    <a:t>这一时期的立法活动</a:t>
+                  </a:r>
+                  <a:r>
+                    <a:rPr lang="zh-CN" altLang="zh-CN" sz="2000" dirty="0">
+                      <a:solidFill>
+                        <a:srgbClr val="00B0F0"/>
+                      </a:solidFill>
+                      <a:latin typeface="微软雅黑" panose="020B0503020204020204" charset="-122"/>
+                      <a:ea typeface="微软雅黑" panose="020B0503020204020204" charset="-122"/>
+                    </a:rPr>
+                    <a:t>以风险防范、惩戒失信为主要目标</a:t>
+                  </a:r>
+                  <a:r>
+                    <a:rPr lang="zh-CN" altLang="zh-CN" sz="2000" dirty="0">
+                      <a:solidFill>
+                        <a:srgbClr val="000000"/>
+                      </a:solidFill>
+                      <a:latin typeface="微软雅黑" panose="020B0503020204020204" charset="-122"/>
+                      <a:ea typeface="微软雅黑" panose="020B0503020204020204" charset="-122"/>
+                    </a:rPr>
+                    <a:t>，将社会信用体系建设作为整顿和规范市场经济秩序的治本之策与主要手段</a:t>
                   </a:r>
                   <a:endParaRPr lang="zh-CN" altLang="zh-CN" sz="2000" dirty="0">
                     <a:solidFill>
@@ -13547,7 +13567,67 @@
                   <a:latin typeface="微软雅黑" panose="020B0503020204020204" charset="-122"/>
                   <a:ea typeface="微软雅黑" panose="020B0503020204020204" charset="-122"/>
                 </a:rPr>
-                <a:t>在信用管理法制建设方面要立足于强调信用数据的开放与透明、个人隐私权的保护以及信用管理行业依法运作等基本原则。</a:t>
+                <a:t>在信用管理法制建设方面要立足于</a:t>
+              </a:r>
+              <a:r>
+                <a:rPr lang="zh-CN" altLang="zh-CN" sz="2400" dirty="0">
+                  <a:solidFill>
+                    <a:srgbClr val="00B0F0"/>
+                  </a:solidFill>
+                  <a:latin typeface="微软雅黑" panose="020B0503020204020204" charset="-122"/>
+                  <a:ea typeface="微软雅黑" panose="020B0503020204020204" charset="-122"/>
+                </a:rPr>
+                <a:t>强调信用数据的开放与透明</a:t>
+              </a:r>
+              <a:r>
+                <a:rPr lang="zh-CN" altLang="zh-CN" sz="2400" dirty="0">
+                  <a:solidFill>
+                    <a:srgbClr val="000000"/>
+                  </a:solidFill>
+                  <a:latin typeface="微软雅黑" panose="020B0503020204020204" charset="-122"/>
+                  <a:ea typeface="微软雅黑" panose="020B0503020204020204" charset="-122"/>
+                </a:rPr>
+                <a:t>、</a:t>
+              </a:r>
+              <a:r>
+                <a:rPr lang="zh-CN" altLang="zh-CN" sz="2400" dirty="0">
+                  <a:solidFill>
+                    <a:srgbClr val="00B0F0"/>
+                  </a:solidFill>
+                  <a:latin typeface="微软雅黑" panose="020B0503020204020204" charset="-122"/>
+                  <a:ea typeface="微软雅黑" panose="020B0503020204020204" charset="-122"/>
+                </a:rPr>
+                <a:t>个人隐私权的保护</a:t>
+              </a:r>
+              <a:r>
+                <a:rPr lang="zh-CN" altLang="zh-CN" sz="2400" dirty="0">
+                  <a:solidFill>
+                    <a:srgbClr val="000000"/>
+                  </a:solidFill>
+                  <a:latin typeface="微软雅黑" panose="020B0503020204020204" charset="-122"/>
+                  <a:ea typeface="微软雅黑" panose="020B0503020204020204" charset="-122"/>
+                </a:rPr>
+                <a:t>以及</a:t>
+              </a:r>
+              <a:r>
+                <a:rPr lang="zh-CN" altLang="zh-CN" sz="2400" dirty="0">
+                  <a:solidFill>
+                    <a:srgbClr val="00B0F0"/>
+                  </a:solidFill>
+                  <a:latin typeface="微软雅黑" panose="020B0503020204020204" charset="-122"/>
+                  <a:ea typeface="微软雅黑" panose="020B0503020204020204" charset="-122"/>
+                </a:rPr>
+                <a:t>信用管理行业依法运作</a:t>
+              </a:r>
+              <a:r>
+                <a:rPr lang="zh-CN" altLang="zh-CN" sz="2400" dirty="0">
+                  <a:solidFill>
+                    <a:srgbClr val="000000"/>
+                  </a:solidFill>
+                  <a:latin typeface="微软雅黑" panose="020B0503020204020204" charset="-122"/>
+                  <a:ea typeface="微软雅黑" panose="020B0503020204020204" charset="-122"/>
+                </a:rPr>
+                <a:t>等基本原则。</a:t>
               </a:r>
               <a:endParaRPr lang="zh-CN" altLang="zh-CN" sz="2400" dirty="0">
                 <a:solidFill>
@@ -22219,7 +22299,7 @@
               <a:r>
                 <a:rPr lang="en-US" altLang="zh-CN" sz="2000" dirty="0">
                   <a:solidFill>
-                    <a:srgbClr val="FF0000"/>
+                    <a:srgbClr val="00B0F0"/>
                   </a:solidFill>
                   <a:latin typeface="微软雅黑" panose="020B0503020204020204" charset="-122"/>
                   <a:ea typeface="微软雅黑" panose="020B0503020204020204" charset="-122"/>
@@ -22230,7 +22310,7 @@
               <a:r>
                 <a:rPr lang="zh-CN" altLang="en-US" sz="2000" dirty="0">
                   <a:solidFill>
-                    <a:srgbClr val="FF0000"/>
+                    <a:srgbClr val="00B0F0"/>
                   </a:solidFill>
                   <a:latin typeface="微软雅黑" panose="020B0503020204020204" charset="-122"/>
                   <a:ea typeface="微软雅黑" panose="020B0503020204020204" charset="-122"/>
@@ -22263,7 +22343,7 @@
               <a:r>
                 <a:rPr lang="zh-CN" altLang="en-US" sz="2000" dirty="0">
                   <a:solidFill>
-                    <a:srgbClr val="FF0000"/>
+                    <a:srgbClr val="00B0F0"/>
                   </a:solidFill>
                   <a:latin typeface="微软雅黑" panose="020B0503020204020204" charset="-122"/>
                   <a:ea typeface="微软雅黑" panose="020B0503020204020204" charset="-122"/>
@@ -22285,7 +22365,7 @@
               <a:r>
                 <a:rPr lang="zh-CN" altLang="en-US" sz="2000" dirty="0">
                   <a:solidFill>
-                    <a:srgbClr val="FF0000"/>
+                    <a:srgbClr val="00B0F0"/>
                   </a:solidFill>
                   <a:latin typeface="微软雅黑" panose="020B0503020204020204" charset="-122"/>
                   <a:ea typeface="微软雅黑" panose="020B0503020204020204" charset="-122"/>
@@ -22307,7 +22387,7 @@
               <a:r>
                 <a:rPr lang="zh-CN" altLang="en-US" sz="2000" dirty="0">
                   <a:solidFill>
-                    <a:srgbClr val="FF0000"/>
+                    <a:srgbClr val="00B0F0"/>
                   </a:solidFill>
                   <a:latin typeface="微软雅黑" panose="020B0503020204020204" charset="-122"/>
                   <a:ea typeface="微软雅黑" panose="020B0503020204020204" charset="-122"/>
@@ -22405,7 +22485,7 @@
               <a:r>
                 <a:rPr lang="zh-CN" altLang="en-US" sz="2000" dirty="0">
                   <a:solidFill>
-                    <a:srgbClr val="FF0000"/>
+                    <a:srgbClr val="00B0F0"/>
                   </a:solidFill>
                   <a:latin typeface="微软雅黑" panose="020B0503020204020204" charset="-122"/>
                   <a:ea typeface="微软雅黑" panose="020B0503020204020204" charset="-122"/>
@@ -22450,7 +22530,27 @@
                   <a:latin typeface="微软雅黑" panose="020B0503020204020204" charset="-122"/>
                   <a:ea typeface="微软雅黑" panose="020B0503020204020204" charset="-122"/>
                 </a:rPr>
-                <a:t>法律将个人隐私的数据和合法征信数据加以区分，达到既保护消费者个人隐私权不受侵犯，又让信用管理行业的从业人员的业务工作有法可依的目的。</a:t>
+                <a:t>法律</a:t>
+              </a:r>
+              <a:r>
+                <a:rPr lang="zh-CN" altLang="en-US" sz="2000" dirty="0">
+                  <a:solidFill>
+                    <a:srgbClr val="00B0F0"/>
+                  </a:solidFill>
+                  <a:latin typeface="微软雅黑" panose="020B0503020204020204" charset="-122"/>
+                  <a:ea typeface="微软雅黑" panose="020B0503020204020204" charset="-122"/>
+                </a:rPr>
+                <a:t>将个人隐私的数据和合法征信数据加以区分</a:t>
+              </a:r>
+              <a:r>
+                <a:rPr lang="zh-CN" altLang="en-US" sz="2000" dirty="0">
+                  <a:solidFill>
+                    <a:srgbClr val="000000"/>
+                  </a:solidFill>
+                  <a:latin typeface="微软雅黑" panose="020B0503020204020204" charset="-122"/>
+                  <a:ea typeface="微软雅黑" panose="020B0503020204020204" charset="-122"/>
+                </a:rPr>
+                <a:t>，达到既保护消费者个人隐私权不受侵犯，又让信用管理行业的从业人员的业务工作有法可依的目的。</a:t>
               </a:r>
               <a:endParaRPr lang="zh-CN" altLang="en-US" sz="2000" dirty="0">
                 <a:solidFill>
@@ -28905,8 +29005,8 @@
         </p:nvSpPr>
         <p:spPr>
           <a:xfrm>
-            <a:off x="8305165" y="1372553"/>
-            <a:ext cx="1555750" cy="1887537"/>
+            <a:off x="9344660" y="1113155"/>
+            <a:ext cx="2310130" cy="1168400"/>
           </a:xfrm>
           <a:prstGeom prst="rect">
             <a:avLst/>
@@ -28917,7 +29017,7 @@
           </a:ln>
         </p:spPr>
         <p:txBody>
-          <a:bodyPr anchor="t" anchorCtr="false">
+          <a:bodyPr wrap="square" anchor="t" anchorCtr="false">
             <a:spAutoFit/>
           </a:bodyPr>
           <a:p>
@@ -28933,18 +29033,18 @@
               </a:buClr>
             </a:pPr>
             <a:r>
-              <a:rPr lang="zh-CN" altLang="en-US" sz="2400" b="1" dirty="0">
+              <a:rPr lang="zh-CN" altLang="en-US" sz="2000" b="1" dirty="0">
                 <a:solidFill>
-                  <a:srgbClr val="FF0000"/>
+                  <a:srgbClr val="00B0F0"/>
                 </a:solidFill>
                 <a:latin typeface="微软雅黑" panose="020B0503020204020204" charset="-122"/>
                 <a:ea typeface="微软雅黑" panose="020B0503020204020204" charset="-122"/>
               </a:rPr>
-              <a:t>以下法律构成我国信用管理法制建设的基础。</a:t>
+              <a:t>信用管理法律构成我国信用管理法制建设的基础。</a:t>
             </a:r>
-            <a:endParaRPr lang="zh-CN" altLang="en-US" sz="2400" b="1" dirty="0">
+            <a:endParaRPr lang="zh-CN" altLang="en-US" sz="2000" b="1" dirty="0">
               <a:solidFill>
-                <a:srgbClr val="FF0000"/>
+                <a:srgbClr val="00B0F0"/>
               </a:solidFill>
               <a:latin typeface="微软雅黑" panose="020B0503020204020204" charset="-122"/>
               <a:ea typeface="微软雅黑" panose="020B0503020204020204" charset="-122"/>
